--- a/course_resources/slides/Used/007_arrays.pptx
+++ b/course_resources/slides/Used/007_arrays.pptx
@@ -3775,16 +3775,15 @@
             <a:pPr lvl="1"/>
             <a:r>
               <a:rPr lang="en-US" dirty="0"/>
-              <a:t>Arrays + a </a:t>
-            </a:r>
-            <a:r>
-              <a:rPr lang="en-US"/>
-              <a:t>little practice. </a:t>
+              <a:t>Arrays + a little practice. </a:t>
             </a:r>
           </a:p>
           <a:p>
             <a:pPr lvl="1"/>
-            <a:endParaRPr lang="en-US"/>
+            <a:r>
+              <a:rPr lang="en-US" dirty="0"/>
+              <a:t>007_arrays workbook – there is also one there with solutions. </a:t>
+            </a:r>
           </a:p>
         </p:txBody>
       </p:sp>
